--- a/output.pptx
+++ b/output.pptx
@@ -3199,7 +3199,7 @@
                 </a:solidFill>
                 <a:latin typeface="한화고딕 L"/>
               </a:rPr>
-              <a:t>제24호 | 2025년 12월 27일</a:t>
+              <a:t>제24호 | 2025년 12월 7일</a:t>
             </a:r>
             <a:endParaRPr lang="ko-KR" altLang="en-US" sz="1100" dirty="0">
               <a:solidFill>
@@ -3925,7 +3925,7 @@
               <a:rPr sz="1200" u="none">
                 <a:latin typeface="한화고딕 B"/>
               </a:rPr>
-              <a:t>미래에셋생명, AI 기반 맞춤형 건광관리 서비스 '헬스케어 AI' 제공</a:t>
+              <a:t>신한라이프 생성형 AI 에이전트 기반 상품정보관리 자동화 구축</a:t>
             </a:r>
             <a:endParaRPr lang="en-US" altLang="ko-KR" sz="1200" u="sng" dirty="0">
               <a:solidFill>
@@ -3941,7 +3941,7 @@
               <a:rPr sz="1200" u="none">
                 <a:latin typeface="한화고딕 EL"/>
               </a:rPr>
-              <a:t>• 사용자의 건강검진 기록과 의료 데이터를 종합해 주요 질환의 발병 가능성을 예측하여 , 사용자가 선제적으로 위험 인자를 관리할 수 있도록 도움 제공</a:t>
+              <a:t>• 생성형 AI 에이전트로 상품속성 추출·코드매핑을 자동화해 보험기간·납입기간 입력을 자동 처리함</a:t>
             </a:r>
           </a:p>
           <a:p>
@@ -3949,7 +3949,7 @@
               <a:rPr sz="1200" u="none">
                 <a:latin typeface="한화고딕 EL"/>
               </a:rPr>
-              <a:t>• 미래에셋생명의 AI 헬스케어 서비스는 질병 예측 AI, 기대 수명 예측, 의료비 예측, 개인 맞춤 건강 가이드 네 가지 핵심 특징을 갖추고 있음</a:t>
+              <a:t>• 문서 선별 후 텍스트·표를 구조화해 상품속성 정보를 추출하고 상품코드와 자동 매핑하는 생성형 AI 활용임</a:t>
             </a:r>
           </a:p>
           <a:p>
@@ -3957,7 +3957,7 @@
               <a:rPr sz="1200" u="sng">
                 <a:latin typeface="한화고딕 B"/>
               </a:rPr>
-              <a:t>➔ 당사도 향후 여성 헬스케어 서비스를 제공할 경우, 여성에게서 빈번하게 발생하는 주요 질환의 발병 ….가능성과 예상 의료비 기반으로 개인별 건강·재무 계획 수립을 지원할 수 있을것으로 기대됨</a:t>
+              <a:t>➔ 당사도 상품기초서류에서 가입조건·기간 정보를 자동 추출·입력하는 AI 에이전트로 상품개발 리드타임 단축 가능함</a:t>
             </a:r>
           </a:p>
           <a:p>
@@ -3973,7 +3973,7 @@
               <a:rPr sz="1200" u="none">
                 <a:latin typeface="한화고딕 B"/>
               </a:rPr>
-              <a:t>카카오뱅크, 생성형 AI를 활용해 대화만으로 송금할 수 있는 'AI이체' 출시</a:t>
+              <a:t>제주 북케이션 위크를 통한 로컬 서점·창작자 교류와 독서 여행 경험</a:t>
             </a:r>
           </a:p>
           <a:p>
@@ -3981,7 +3981,7 @@
               <a:rPr sz="1200" u="none">
                 <a:latin typeface="한화고딕 EL"/>
               </a:rPr>
-              <a:t>• 최근 이체 내역에 대상의 이름이 있는 경우, 대화창에 '김이지에게 오만원 보내줘＇와 같이 입력하면 은행명이나 계좌번호를 직접 입력하지 않아도 대상의 이름만으로 이체 가능</a:t>
+              <a:t>• 제주 북케이션 위크는 51개 서점·출판사·창작자가 참여한 북페어형 여행·독서 교류 행사임</a:t>
             </a:r>
           </a:p>
           <a:p>
@@ -3989,7 +3989,7 @@
               <a:rPr sz="1200" u="none">
                 <a:latin typeface="한화고딕 EL"/>
               </a:rPr>
-              <a:t>• 고객 요청이 불분명하면 재질문을 통해 질문을 명확히 하거나 수취인 검증 등 일반 이체와 동일한 인증 절차를 거치게 하는 등 착오송금 방지를 위한 절차도 강화</a:t>
+              <a:t>• OX퀴즈·전시·체험 프로그램 등으로 참여자 간 네트워킹과 책·로컬 콘텐츠 경험을 확장한 행사 구조임</a:t>
             </a:r>
           </a:p>
           <a:p>
@@ -3997,7 +3997,7 @@
               <a:rPr sz="1200" u="sng">
                 <a:latin typeface="한화고딕 B"/>
               </a:rPr>
-              <a:t>➔ 당사 AI Lab에서도 AI 챗봇으로 온라인 채널 내 서비스/기능을 간편하게 연결할 예정이며, 향후 기술 ….발전에 맞추어 고객 편의 향상을 위한 AI 기반 기능을 지속 확대할 계획임</a:t>
+              <a:t>➔ 당사도 지역 문화 행사와 연계한 독서·여행 테마 고객 초청 프로그램을 운영해 장기 고객 관계를 강화할 기회가 있음</a:t>
             </a:r>
           </a:p>
           <a:p>
@@ -4013,7 +4013,7 @@
               <a:rPr sz="1200" u="none">
                 <a:latin typeface="한화고딕 B"/>
               </a:rPr>
-              <a:t>구글, 성능이 크게 향상된 차세대 AI 모델 '제미나이 3' 공개</a:t>
+              <a:t>신한라이프 생성형AI 기반 상품정보관리 자동화 및 영업지원플랫폼 고도화</a:t>
             </a:r>
           </a:p>
           <a:p>
@@ -4021,7 +4021,7 @@
               <a:rPr sz="1200" u="none">
                 <a:latin typeface="한화고딕 EL"/>
               </a:rPr>
-              <a:t>• 고난도 추론이 가능한 '제미나이3 딥싱크 (Gemini 3 Deep Think)' 모델, 에이전트 중심 개발 플랫폼인 '구글 안티그래비티 (Google Antigravity)'도 공개</a:t>
+              <a:t>• 상품정보관리시스템 자동화와 스마티 영업지원플랫폼으로 상품개발·영업 효율 제고함</a:t>
             </a:r>
           </a:p>
           <a:p>
@@ -4029,7 +4029,7 @@
               <a:rPr sz="1200" u="none">
                 <a:latin typeface="한화고딕 EL"/>
               </a:rPr>
-              <a:t>• 모델의 사전 훈련과 사후 훈련이 개선되어 성능이 향상된 것으로 분석됨</a:t>
+              <a:t>• 자체 언어모델 기반 생성형AI 에이전트로 문서 구조화·속성 추출·상담요약 등 지능형 처리 수행함</a:t>
             </a:r>
           </a:p>
           <a:p>
@@ -4037,7 +4037,7 @@
               <a:rPr sz="1200" u="sng">
                 <a:latin typeface="한화고딕 B"/>
               </a:rPr>
-              <a:t>➔ 제미나이 3 및 계속해서 고도화되고 있는 생성형 AI 활용으로 직원들의 업무 효율성 향상 기대</a:t>
+              <a:t>➔ 당사도 상품정보관리 및 설계사 영업지원에 생성형AI 에이전트를 도입해 상품개발·언더라이팅 데이터 정합성과 업무 효율을 동시 제고할 필요 있음</a:t>
             </a:r>
           </a:p>
           <a:p>

--- a/output.pptx
+++ b/output.pptx
@@ -3199,7 +3199,7 @@
                 </a:solidFill>
                 <a:latin typeface="한화고딕 L"/>
               </a:rPr>
-              <a:t>제24호 | 2025년 12월 7일</a:t>
+              <a:t>제15호 | 2025년 12월 31일</a:t>
             </a:r>
             <a:endParaRPr lang="ko-KR" altLang="en-US" sz="1100" dirty="0">
               <a:solidFill>
@@ -3925,7 +3925,7 @@
               <a:rPr sz="1200" u="none">
                 <a:latin typeface="한화고딕 B"/>
               </a:rPr>
-              <a:t>신한라이프 생성형 AI 에이전트 기반 상품정보관리 자동화 구축</a:t>
+              <a:t>생성형 AI CX 글쓰기 시스템·다국어 통역 AI 에이전트·시니어 비즈니스 협력·건강습관 캠페인 동향</a:t>
             </a:r>
             <a:endParaRPr lang="en-US" altLang="ko-KR" sz="1200" u="sng" dirty="0">
               <a:solidFill>
@@ -3941,7 +3941,7 @@
               <a:rPr sz="1200" u="none">
                 <a:latin typeface="한화고딕 EL"/>
               </a:rPr>
-              <a:t>• 생성형 AI 에이전트로 상품속성 추출·코드매핑을 자동화해 보험기간·납입기간 입력을 자동 처리함</a:t>
+              <a:t>• 삼성생명은 CX 글쓰기 가이드를 결합한 생성형 AI CX 글쓰기 시스템을 도입해 고객 안내 문구 초안 작성과 문장 다듬기 자동화를 구현함</a:t>
             </a:r>
           </a:p>
           <a:p>
@@ -3949,7 +3949,7 @@
               <a:rPr sz="1200" u="none">
                 <a:latin typeface="한화고딕 EL"/>
               </a:rPr>
-              <a:t>• 문서 선별 후 텍스트·표를 구조화해 상품속성 정보를 추출하고 상품코드와 자동 매핑하는 생성형 AI 활용임</a:t>
+              <a:t>• 해당 시스템은 프롬프트 기반 생성형 AI로 채널별 문장 길이·구성 조정, 용어 순화, 표현·표기 통일 및 맞춤법·오탈자 자동 점검 기능을 제공함</a:t>
             </a:r>
           </a:p>
           <a:p>
@@ -3957,7 +3957,7 @@
               <a:rPr sz="1200" u="sng">
                 <a:latin typeface="한화고딕 B"/>
               </a:rPr>
-              <a:t>➔ 당사도 상품기초서류에서 가입조건·기간 정보를 자동 추출·입력하는 AI 에이전트로 상품개발 리드타임 단축 가능함</a:t>
+              <a:t>➔ 당사는 생성형 AI 기반 CX 문구 작성·검수 시스템과 다국어 통역 AI를 도입해 약관 안내, 해피콜, 청구 안내 등 고객 커뮤니케이션 품질과 완전판매 모니터링 효율을 동시에 제고할 수 있음</a:t>
             </a:r>
           </a:p>
           <a:p>
@@ -3973,7 +3973,7 @@
               <a:rPr sz="1200" u="none">
                 <a:latin typeface="한화고딕 B"/>
               </a:rPr>
-              <a:t>제주 북케이션 위크를 통한 로컬 서점·창작자 교류와 독서 여행 경험</a:t>
+              <a:t>우리은행 생성형 AI 기반 비대면 원스톱 대출 상담 서비스 고도화</a:t>
             </a:r>
           </a:p>
           <a:p>
@@ -3981,7 +3981,7 @@
               <a:rPr sz="1200" u="none">
                 <a:latin typeface="한화고딕 EL"/>
               </a:rPr>
-              <a:t>• 제주 북케이션 위크는 51개 서점·출판사·창작자가 참여한 북페어형 여행·독서 교류 행사임</a:t>
+              <a:t>• 우리은행이 비대면 전 대출 상품에 적용되는 AI대출상담원을 개편해 상담·상품 요약·가입을 원스톱으로 제공함</a:t>
             </a:r>
           </a:p>
           <a:p>
@@ -3989,7 +3989,7 @@
               <a:rPr sz="1200" u="none">
                 <a:latin typeface="한화고딕 EL"/>
               </a:rPr>
-              <a:t>• OX퀴즈·전시·체험 프로그램 등으로 참여자 간 네트워킹과 책·로컬 콘텐츠 경험을 확장한 행사 구조임</a:t>
+              <a:t>• 생성형 AI가 대출 목적·소득 등 조건을 단계별로 질의하며 과거 상담 이력을 기억해 연속적·개인화 상담을 구현함</a:t>
             </a:r>
           </a:p>
           <a:p>
@@ -3997,7 +3997,7 @@
               <a:rPr sz="1200" u="sng">
                 <a:latin typeface="한화고딕 B"/>
               </a:rPr>
-              <a:t>➔ 당사도 지역 문화 행사와 연계한 독서·여행 테마 고객 초청 프로그램을 운영해 장기 고객 관계를 강화할 기회가 있음</a:t>
+              <a:t>➔ 당사도 생성형 AI 상담원을 도입해 대출·보장 분석을 자동 안내하고 과거 상담 이력을 활용한 맞춤형 언더라이팅 지원 체계 구축 필요함</a:t>
             </a:r>
           </a:p>
           <a:p>
@@ -4013,7 +4013,7 @@
               <a:rPr sz="1200" u="none">
                 <a:latin typeface="한화고딕 B"/>
               </a:rPr>
-              <a:t>신한라이프 생성형AI 기반 상품정보관리 자동화 및 영업지원플랫폼 고도화</a:t>
+              <a:t>IBK기업은행 생성형 AI 기반 여신심사·내부업무 자동화 고도화</a:t>
             </a:r>
           </a:p>
           <a:p>
@@ -4021,7 +4021,7 @@
               <a:rPr sz="1200" u="none">
                 <a:latin typeface="한화고딕 EL"/>
               </a:rPr>
-              <a:t>• 상품정보관리시스템 자동화와 스마티 영업지원플랫폼으로 상품개발·영업 효율 제고함</a:t>
+              <a:t>• IBK기업은행이 보증부대출 심사 자동화, 내부 LLM 구축, 콘텐츠 제작·뉴스 요약 등 전사 업무에 생성형 AI를 적용 중임</a:t>
             </a:r>
           </a:p>
           <a:p>
@@ -4029,7 +4029,7 @@
               <a:rPr sz="1200" u="none">
                 <a:latin typeface="한화고딕 EL"/>
               </a:rPr>
-              <a:t>• 자체 언어모델 기반 생성형AI 에이전트로 문서 구조화·속성 추출·상담요약 등 지능형 처리 수행함</a:t>
+              <a:t>• 행내 데이터로 학습한 내부 LLM과 자체 개발 AI 모델, Agentic AI 및 판단형 AI 연구를 통해 업무 목적별 특화 AI 환경을 구축 중임</a:t>
             </a:r>
           </a:p>
           <a:p>
@@ -4037,7 +4037,47 @@
               <a:rPr sz="1200" u="sng">
                 <a:latin typeface="한화고딕 B"/>
               </a:rPr>
-              <a:t>➔ 당사도 상품정보관리 및 설계사 영업지원에 생성형AI 에이전트를 도입해 상품개발·언더라이팅 데이터 정합성과 업무 효율을 동시 제고할 필요 있음</a:t>
+              <a:t>➔ 당사는 내부 LLM과 Agentic AI를 활용해 언더라이팅·보상서류 자동 검토 및 상품 추천을 고도화해 심사 정확도와 처리 효율을 제고할 수 있음</a:t>
+            </a:r>
+          </a:p>
+          <a:p>
+            <a:r>
+              <a:rPr sz="900" u="none">
+                <a:latin typeface="한화고딕 EL"/>
+              </a:rPr>
+              <a:t> </a:t>
+            </a:r>
+          </a:p>
+          <a:p>
+            <a:r>
+              <a:rPr sz="1200" u="none">
+                <a:latin typeface="한화고딕 B"/>
+              </a:rPr>
+              <a:t>GPT‑5.2-Codex 기반 에이전트형 코딩·사이버 보안 역량 고도화</a:t>
+            </a:r>
+          </a:p>
+          <a:p>
+            <a:r>
+              <a:rPr sz="1200" u="none">
+                <a:latin typeface="한화고딕 EL"/>
+              </a:rPr>
+              <a:t>• GPT‑5.2-Codex는 장기 컨텍스트 압축, 대규모 리팩터링·마이그레이션, Windows 최적화, 비전 기반 코드 해석을 강화한 에이전트형 코딩 모델임</a:t>
+            </a:r>
+          </a:p>
+          <a:p>
+            <a:r>
+              <a:rPr sz="1200" u="none">
+                <a:latin typeface="한화고딕 EL"/>
+              </a:rPr>
+              <a:t>• GPT‑5.2-Codex는 GPT‑5.2 기반 장기 컨텍스트 이해, 안정적 도구 호출, 터미널·SWE-Bench Pro 벤치마크 최상위 성능, 사이버 보안 특화 평가 고도화를 통해 개발됨</a:t>
+            </a:r>
+          </a:p>
+          <a:p>
+            <a:r>
+              <a:rPr sz="1200" u="sng">
+                <a:latin typeface="한화고딕 B"/>
+              </a:rPr>
+              <a:t>➔ 당사는 GPT‑5.2-Codex를 활용해 보험 코어·채널 시스템 코드 취약점 자동 탐지와 보안 패치 지원을 통해 사이버 리스크 관리 역량을 강화할 수 있음</a:t>
             </a:r>
           </a:p>
           <a:p>
@@ -4089,21 +4129,10 @@
               <a:defRPr/>
             </a:pPr>
             <a:r>
-              <a:rPr kumimoji="0" lang="en-US" altLang="ko-KR" sz="1200" b="0" i="0" u="none" strike="noStrike" kern="1200" cap="none" spc="0" normalizeH="0" baseline="0" noProof="0" dirty="0">
-                <a:ln>
-                  <a:noFill/>
-                </a:ln>
-                <a:solidFill>
-                  <a:prstClr val="black"/>
-                </a:solidFill>
-                <a:effectLst/>
-                <a:uLnTx/>
-                <a:uFillTx/>
-                <a:latin typeface="한화고딕 B" panose="02020503020101020101" pitchFamily="18" charset="-127"/>
-                <a:ea typeface="한화고딕 B" panose="02020503020101020101" pitchFamily="18" charset="-127"/>
-                <a:cs typeface="+mn-cs"/>
+              <a:rPr sz="1200" u="none">
+                <a:latin typeface="한화고딕 B"/>
               </a:rPr>
-              <a:t>AI LAB</a:t>
+              <a:t>클라우드 기반 OCR 도입 및 Azure 혼합사용 검토</a:t>
             </a:r>
             <a:endParaRPr lang="en-US" altLang="ko-KR" sz="1200" u="sng" dirty="0">
               <a:solidFill>
@@ -4113,6 +4142,22 @@
               <a:ea typeface="한화고딕 B" panose="02020503020101020101" pitchFamily="18" charset="-127"/>
               <a:sym typeface="Wingdings" panose="05000000000000000000" pitchFamily="2" charset="2"/>
             </a:endParaRPr>
+          </a:p>
+          <a:p>
+            <a:r>
+              <a:rPr sz="1200" u="none">
+                <a:latin typeface="한화고딕 EL"/>
+              </a:rPr>
+              <a:t>• 클라우드 기반 OCR 도입을 위해 대상 업무와 성능 요구사항 정의, 호출량 기반 자원 산정, 외주 운영 협의를 포함한 추진품의 및 RFP 작성 진행 중임</a:t>
+            </a:r>
+          </a:p>
+          <a:p>
+            <a:r>
+              <a:rPr sz="1200" u="none">
+                <a:latin typeface="한화고딕 EL"/>
+              </a:rPr>
+              <a:t>• MS Azure OCR 정확도와 확장성 한계로 기존 과제 전환보다 신규 과제 적용을 중심으로 비용 최적화 관점의 솔루션·Azure 혼합사용 방안 검토 중임</a:t>
+            </a:r>
           </a:p>
         </p:txBody>
       </p:sp>

--- a/output.pptx
+++ b/output.pptx
@@ -3199,7 +3199,7 @@
                 </a:solidFill>
                 <a:latin typeface="한화고딕 L"/>
               </a:rPr>
-              <a:t>제15호 | 2025년 12월 31일</a:t>
+              <a:t>제14호 | 2025년 12월 31일</a:t>
             </a:r>
             <a:endParaRPr lang="ko-KR" altLang="en-US" sz="1100" dirty="0">
               <a:solidFill>
@@ -3925,7 +3925,7 @@
               <a:rPr sz="1200" u="none">
                 <a:latin typeface="한화고딕 B"/>
               </a:rPr>
-              <a:t>생성형 AI CX 글쓰기 시스템·다국어 통역 AI 에이전트·시니어 비즈니스 협력·건강습관 캠페인 동향</a:t>
+              <a:t>우리은행 생성형 AI 기반 비대면 대출 원스톱 상담 서비스 고도화</a:t>
             </a:r>
             <a:endParaRPr lang="en-US" altLang="ko-KR" sz="1200" u="sng" dirty="0">
               <a:solidFill>
@@ -3941,7 +3941,7 @@
               <a:rPr sz="1200" u="none">
                 <a:latin typeface="한화고딕 EL"/>
               </a:rPr>
-              <a:t>• 삼성생명은 CX 글쓰기 가이드를 결합한 생성형 AI CX 글쓰기 시스템을 도입해 고객 안내 문구 초안 작성과 문장 다듬기 자동화를 구현함</a:t>
+              <a:t>• 우리은행이 비대면 전 대출 상품에 적용되는 개인화 원스톱 AI대출상담원 서비스를 개편함</a:t>
             </a:r>
           </a:p>
           <a:p>
@@ -3949,7 +3949,7 @@
               <a:rPr sz="1200" u="none">
                 <a:latin typeface="한화고딕 EL"/>
               </a:rPr>
-              <a:t>• 해당 시스템은 프롬프트 기반 생성형 AI로 채널별 문장 길이·구성 조정, 용어 순화, 표현·표기 통일 및 맞춤법·오탈자 자동 점검 기능을 제공함</a:t>
+              <a:t>• 생성형 AI가 상담 흐름을 주도하며 과거 상담 이력을 기억해 연속 대화와 맞춤형 안내를 제공함</a:t>
             </a:r>
           </a:p>
           <a:p>
@@ -3957,7 +3957,7 @@
               <a:rPr sz="1200" u="sng">
                 <a:latin typeface="한화고딕 B"/>
               </a:rPr>
-              <a:t>➔ 당사는 생성형 AI 기반 CX 문구 작성·검수 시스템과 다국어 통역 AI를 도입해 약관 안내, 해피콜, 청구 안내 등 고객 커뮤니케이션 품질과 완전판매 모니터링 효율을 동시에 제고할 수 있음</a:t>
+              <a:t>➔ 당사도 생성형 AI 상담원을 도입해 언더라이팅 전 단계 고객 질의응답과 상품 추천을 자동화할 수 있음</a:t>
             </a:r>
           </a:p>
           <a:p>
@@ -3973,7 +3973,7 @@
               <a:rPr sz="1200" u="none">
                 <a:latin typeface="한화고딕 B"/>
               </a:rPr>
-              <a:t>우리은행 생성형 AI 기반 비대면 원스톱 대출 상담 서비스 고도화</a:t>
+              <a:t>DB손해보험·유베이스 다국어 통역 AI 에이전트 완전판매 모니터링 서비스 구축</a:t>
             </a:r>
           </a:p>
           <a:p>
@@ -3981,7 +3981,7 @@
               <a:rPr sz="1200" u="none">
                 <a:latin typeface="한화고딕 EL"/>
               </a:rPr>
-              <a:t>• 우리은행이 비대면 전 대출 상품에 적용되는 AI대출상담원을 개편해 상담·상품 요약·가입을 원스톱으로 제공함</a:t>
+              <a:t>• 외국인 전용 다국어 통역 AI 에이전트로 해피콜 전 과정 실시간 통역 지원해 불완전판매 위험 최소화함</a:t>
             </a:r>
           </a:p>
           <a:p>
@@ -3989,7 +3989,7 @@
               <a:rPr sz="1200" u="none">
                 <a:latin typeface="한화고딕 EL"/>
               </a:rPr>
-              <a:t>• 생성형 AI가 대출 목적·소득 등 조건을 단계별로 질의하며 과거 상담 이력을 기억해 연속적·개인화 상담을 구현함</a:t>
+              <a:t>• AI 기반 실시간 다국어 통역 구조로 외부 통역 없이 상담 대기시간 단축 및 통역 품질 편차 감소 효과 있음</a:t>
             </a:r>
           </a:p>
           <a:p>
@@ -3997,7 +3997,7 @@
               <a:rPr sz="1200" u="sng">
                 <a:latin typeface="한화고딕 B"/>
               </a:rPr>
-              <a:t>➔ 당사도 생성형 AI 상담원을 도입해 대출·보장 분석을 자동 안내하고 과거 상담 이력을 활용한 맞춤형 언더라이팅 지원 체계 구축 필요함</a:t>
+              <a:t>➔ 당사도 다국어 AI 통역 모니터링을 도입해 외국인 고객 언더라이팅·해피콜 품질 관리 및 민원 리스크를 경감할 수 있음</a:t>
             </a:r>
           </a:p>
           <a:p>
@@ -4013,7 +4013,7 @@
               <a:rPr sz="1200" u="none">
                 <a:latin typeface="한화고딕 B"/>
               </a:rPr>
-              <a:t>IBK기업은행 생성형 AI 기반 여신심사·내부업무 자동화 고도화</a:t>
+              <a:t>하나은행 생성형 AI 기반 기업 여신 심사 시스템 도입 및 업무 효율화 추진</a:t>
             </a:r>
           </a:p>
           <a:p>
@@ -4021,7 +4021,7 @@
               <a:rPr sz="1200" u="none">
                 <a:latin typeface="한화고딕 EL"/>
               </a:rPr>
-              <a:t>• IBK기업은행이 보증부대출 심사 자동화, 내부 LLM 구축, 콘텐츠 제작·뉴스 요약 등 전사 업무에 생성형 AI를 적용 중임</a:t>
+              <a:t>• 하나은행이 생성형 AI로 기업 여신 심사 의견 초안을 자동 작성해 심사 업무량을 약 30% 경감하는 시스템을 도입함</a:t>
             </a:r>
           </a:p>
           <a:p>
@@ -4029,7 +4029,7 @@
               <a:rPr sz="1200" u="none">
                 <a:latin typeface="한화고딕 EL"/>
               </a:rPr>
-              <a:t>• 행내 데이터로 학습한 내부 LLM과 자체 개발 AI 모델, Agentic AI 및 판단형 AI 연구를 통해 업무 목적별 특화 AI 환경을 구축 중임</a:t>
+              <a:t>• 사업·감사보고서와 재무제표, 내외부 데이터 및 산업 현황을 생성형 AI로 종합 분석해 여신 심사 초안을 생성하는 기술 적용임</a:t>
             </a:r>
           </a:p>
           <a:p>
@@ -4037,7 +4037,7 @@
               <a:rPr sz="1200" u="sng">
                 <a:latin typeface="한화고딕 B"/>
               </a:rPr>
-              <a:t>➔ 당사는 내부 LLM과 Agentic AI를 활용해 언더라이팅·보상서류 자동 검토 및 상품 추천을 고도화해 심사 정확도와 처리 효율을 제고할 수 있음</a:t>
+              <a:t>➔ 당사는 기업대출 심사에 생성형 AI를 도입해 재무·산업 정보 기반 심사 초안을 자동화하고 언더라이팅 생산성을 제고할 수 있음</a:t>
             </a:r>
           </a:p>
           <a:p>
@@ -4053,7 +4053,7 @@
               <a:rPr sz="1200" u="none">
                 <a:latin typeface="한화고딕 B"/>
               </a:rPr>
-              <a:t>GPT‑5.2-Codex 기반 에이전트형 코딩·사이버 보안 역량 고도화</a:t>
+              <a:t>인터넷전문은행 생성형 AI 기반 고객응대·내부업무 고도화 동향</a:t>
             </a:r>
           </a:p>
           <a:p>
@@ -4061,7 +4061,7 @@
               <a:rPr sz="1200" u="none">
                 <a:latin typeface="한화고딕 EL"/>
               </a:rPr>
-              <a:t>• GPT‑5.2-Codex는 장기 컨텍스트 압축, 대규모 리팩터링·마이그레이션, Windows 최적화, 비전 기반 코드 해석을 강화한 에이전트형 코딩 모델임</a:t>
+              <a:t>• 카카오뱅크·토스뱅크·케이뱅크가 통합 상담, 모임총무, 내부업무 지원 등 AI 기반 서비스 고도화 중임</a:t>
             </a:r>
           </a:p>
           <a:p>
@@ -4069,7 +4069,7 @@
               <a:rPr sz="1200" u="none">
                 <a:latin typeface="한화고딕 EL"/>
               </a:rPr>
-              <a:t>• GPT‑5.2-Codex는 GPT‑5.2 기반 장기 컨텍스트 이해, 안정적 도구 호출, 터미널·SWE-Bench Pro 벤치마크 최상위 성능, 사이버 보안 특화 평가 고도화를 통해 개발됨</a:t>
+              <a:t>• LLM 라우터, 프라이빗 금융 특화 LLM, AWS Bedrock 기반 생성형 AI로 상담 정확도·보안·업무 생산성 제고 중임</a:t>
             </a:r>
           </a:p>
           <a:p>
@@ -4077,7 +4077,7 @@
               <a:rPr sz="1200" u="sng">
                 <a:latin typeface="한화고딕 B"/>
               </a:rPr>
-              <a:t>➔ 당사는 GPT‑5.2-Codex를 활용해 보험 코어·채널 시스템 코드 취약점 자동 탐지와 보안 패치 지원을 통해 사이버 리스크 관리 역량을 강화할 수 있음</a:t>
+              <a:t>➔ 당사도 프라이빗 LLM 기반 상담·내부지원 챗봇을 도입해 언더라이팅·보상 문의 자동응대와 직원 업무 효율화 추진 가능함</a:t>
             </a:r>
           </a:p>
           <a:p>
@@ -4148,7 +4148,7 @@
               <a:rPr sz="1200" u="none">
                 <a:latin typeface="한화고딕 EL"/>
               </a:rPr>
-              <a:t>• 클라우드 기반 OCR 도입을 위해 대상 업무와 성능 요구사항 정의, 호출량 기반 자원 산정, 외주 운영 협의를 포함한 추진품의 및 RFP 작성 진행 중임</a:t>
+              <a:t>• 클라우드 기반 OCR 도입을 위해 대상 업무와 성능 요구사항 정의, 자원 산정, 외주 운영 협의를 포함한 추진품의 및 RFP 작성 진행 중임</a:t>
             </a:r>
           </a:p>
           <a:p>
@@ -4156,7 +4156,7 @@
               <a:rPr sz="1200" u="none">
                 <a:latin typeface="한화고딕 EL"/>
               </a:rPr>
-              <a:t>• MS Azure OCR 정확도와 확장성 한계로 기존 과제 전환보다 신규 과제 적용을 중심으로 비용 최적화 관점의 솔루션·Azure 혼합사용 방안 검토 중임</a:t>
+              <a:t>• MS Azure OCR 서비스의 정확도와 확장성 한계로 기존 과제 전환보다 신규 과제 적용 중심의 솔루션 및 Azure 혼합사용 방안 검토 중임</a:t>
             </a:r>
           </a:p>
         </p:txBody>
